--- a/포폴이미지.pptx
+++ b/포폴이미지.pptx
@@ -7,6 +7,7 @@
   <p:sldIdLst>
     <p:sldId id="256" r:id="rId2"/>
     <p:sldId id="257" r:id="rId3"/>
+    <p:sldId id="258" r:id="rId4"/>
   </p:sldIdLst>
   <p:sldSz cx="12192000" cy="6858000"/>
   <p:notesSz cx="6858000" cy="9144000"/>
@@ -244,7 +245,7 @@
           <a:p>
             <a:fld id="{DBB1BFA8-20EB-4891-A377-6DDC4B1BECB5}" type="datetimeFigureOut">
               <a:rPr lang="ko-KR" altLang="en-US" smtClean="0"/>
-              <a:t>2019-12-16</a:t>
+              <a:t>2020-01-09</a:t>
             </a:fld>
             <a:endParaRPr lang="ko-KR" altLang="en-US"/>
           </a:p>
@@ -414,7 +415,7 @@
           <a:p>
             <a:fld id="{DBB1BFA8-20EB-4891-A377-6DDC4B1BECB5}" type="datetimeFigureOut">
               <a:rPr lang="ko-KR" altLang="en-US" smtClean="0"/>
-              <a:t>2019-12-16</a:t>
+              <a:t>2020-01-09</a:t>
             </a:fld>
             <a:endParaRPr lang="ko-KR" altLang="en-US"/>
           </a:p>
@@ -594,7 +595,7 @@
           <a:p>
             <a:fld id="{DBB1BFA8-20EB-4891-A377-6DDC4B1BECB5}" type="datetimeFigureOut">
               <a:rPr lang="ko-KR" altLang="en-US" smtClean="0"/>
-              <a:t>2019-12-16</a:t>
+              <a:t>2020-01-09</a:t>
             </a:fld>
             <a:endParaRPr lang="ko-KR" altLang="en-US"/>
           </a:p>
@@ -764,7 +765,7 @@
           <a:p>
             <a:fld id="{DBB1BFA8-20EB-4891-A377-6DDC4B1BECB5}" type="datetimeFigureOut">
               <a:rPr lang="ko-KR" altLang="en-US" smtClean="0"/>
-              <a:t>2019-12-16</a:t>
+              <a:t>2020-01-09</a:t>
             </a:fld>
             <a:endParaRPr lang="ko-KR" altLang="en-US"/>
           </a:p>
@@ -1010,7 +1011,7 @@
           <a:p>
             <a:fld id="{DBB1BFA8-20EB-4891-A377-6DDC4B1BECB5}" type="datetimeFigureOut">
               <a:rPr lang="ko-KR" altLang="en-US" smtClean="0"/>
-              <a:t>2019-12-16</a:t>
+              <a:t>2020-01-09</a:t>
             </a:fld>
             <a:endParaRPr lang="ko-KR" altLang="en-US"/>
           </a:p>
@@ -1242,7 +1243,7 @@
           <a:p>
             <a:fld id="{DBB1BFA8-20EB-4891-A377-6DDC4B1BECB5}" type="datetimeFigureOut">
               <a:rPr lang="ko-KR" altLang="en-US" smtClean="0"/>
-              <a:t>2019-12-16</a:t>
+              <a:t>2020-01-09</a:t>
             </a:fld>
             <a:endParaRPr lang="ko-KR" altLang="en-US"/>
           </a:p>
@@ -1609,7 +1610,7 @@
           <a:p>
             <a:fld id="{DBB1BFA8-20EB-4891-A377-6DDC4B1BECB5}" type="datetimeFigureOut">
               <a:rPr lang="ko-KR" altLang="en-US" smtClean="0"/>
-              <a:t>2019-12-16</a:t>
+              <a:t>2020-01-09</a:t>
             </a:fld>
             <a:endParaRPr lang="ko-KR" altLang="en-US"/>
           </a:p>
@@ -1727,7 +1728,7 @@
           <a:p>
             <a:fld id="{DBB1BFA8-20EB-4891-A377-6DDC4B1BECB5}" type="datetimeFigureOut">
               <a:rPr lang="ko-KR" altLang="en-US" smtClean="0"/>
-              <a:t>2019-12-16</a:t>
+              <a:t>2020-01-09</a:t>
             </a:fld>
             <a:endParaRPr lang="ko-KR" altLang="en-US"/>
           </a:p>
@@ -1822,7 +1823,7 @@
           <a:p>
             <a:fld id="{DBB1BFA8-20EB-4891-A377-6DDC4B1BECB5}" type="datetimeFigureOut">
               <a:rPr lang="ko-KR" altLang="en-US" smtClean="0"/>
-              <a:t>2019-12-16</a:t>
+              <a:t>2020-01-09</a:t>
             </a:fld>
             <a:endParaRPr lang="ko-KR" altLang="en-US"/>
           </a:p>
@@ -2099,7 +2100,7 @@
           <a:p>
             <a:fld id="{DBB1BFA8-20EB-4891-A377-6DDC4B1BECB5}" type="datetimeFigureOut">
               <a:rPr lang="ko-KR" altLang="en-US" smtClean="0"/>
-              <a:t>2019-12-16</a:t>
+              <a:t>2020-01-09</a:t>
             </a:fld>
             <a:endParaRPr lang="ko-KR" altLang="en-US"/>
           </a:p>
@@ -2352,7 +2353,7 @@
           <a:p>
             <a:fld id="{DBB1BFA8-20EB-4891-A377-6DDC4B1BECB5}" type="datetimeFigureOut">
               <a:rPr lang="ko-KR" altLang="en-US" smtClean="0"/>
-              <a:t>2019-12-16</a:t>
+              <a:t>2020-01-09</a:t>
             </a:fld>
             <a:endParaRPr lang="ko-KR" altLang="en-US"/>
           </a:p>
@@ -2565,7 +2566,7 @@
           <a:p>
             <a:fld id="{DBB1BFA8-20EB-4891-A377-6DDC4B1BECB5}" type="datetimeFigureOut">
               <a:rPr lang="ko-KR" altLang="en-US" smtClean="0"/>
-              <a:t>2019-12-16</a:t>
+              <a:t>2020-01-09</a:t>
             </a:fld>
             <a:endParaRPr lang="ko-KR" altLang="en-US"/>
           </a:p>
@@ -9254,6 +9255,693 @@
 </p:sld>
 </file>
 
+<file path=ppt/slides/slide3.xml><?xml version="1.0" encoding="utf-8"?>
+<p:sld xmlns:a="http://schemas.openxmlformats.org/drawingml/2006/main" xmlns:r="http://schemas.openxmlformats.org/officeDocument/2006/relationships" xmlns:p="http://schemas.openxmlformats.org/presentationml/2006/main">
+  <p:cSld>
+    <p:spTree>
+      <p:nvGrpSpPr>
+        <p:cNvPr id="1" name=""/>
+        <p:cNvGrpSpPr/>
+        <p:nvPr/>
+      </p:nvGrpSpPr>
+      <p:grpSpPr>
+        <a:xfrm>
+          <a:off x="0" y="0"/>
+          <a:ext cx="0" cy="0"/>
+          <a:chOff x="0" y="0"/>
+          <a:chExt cx="0" cy="0"/>
+        </a:xfrm>
+      </p:grpSpPr>
+      <p:grpSp>
+        <p:nvGrpSpPr>
+          <p:cNvPr id="18" name="그룹 17"/>
+          <p:cNvGrpSpPr/>
+          <p:nvPr/>
+        </p:nvGrpSpPr>
+        <p:grpSpPr>
+          <a:xfrm>
+            <a:off x="682911" y="693810"/>
+            <a:ext cx="5314748" cy="2307210"/>
+            <a:chOff x="682911" y="693810"/>
+            <a:chExt cx="5314748" cy="2307210"/>
+          </a:xfrm>
+        </p:grpSpPr>
+        <p:sp>
+          <p:nvSpPr>
+            <p:cNvPr id="4" name="모서리가 둥근 직사각형 3"/>
+            <p:cNvSpPr/>
+            <p:nvPr/>
+          </p:nvSpPr>
+          <p:spPr>
+            <a:xfrm>
+              <a:off x="682911" y="1063142"/>
+              <a:ext cx="2040007" cy="1568546"/>
+            </a:xfrm>
+            <a:prstGeom prst="roundRect">
+              <a:avLst/>
+            </a:prstGeom>
+            <a:noFill/>
+            <a:ln w="28575">
+              <a:solidFill>
+                <a:schemeClr val="accent4">
+                  <a:lumMod val="50000"/>
+                </a:schemeClr>
+              </a:solidFill>
+            </a:ln>
+          </p:spPr>
+          <p:style>
+            <a:lnRef idx="2">
+              <a:schemeClr val="dk1">
+                <a:shade val="50000"/>
+              </a:schemeClr>
+            </a:lnRef>
+            <a:fillRef idx="1">
+              <a:schemeClr val="dk1"/>
+            </a:fillRef>
+            <a:effectRef idx="0">
+              <a:schemeClr val="dk1"/>
+            </a:effectRef>
+            <a:fontRef idx="minor">
+              <a:schemeClr val="lt1"/>
+            </a:fontRef>
+          </p:style>
+          <p:txBody>
+            <a:bodyPr rtlCol="0" anchor="ctr"/>
+            <a:lstStyle/>
+            <a:p>
+              <a:pPr algn="ctr"/>
+              <a:endParaRPr lang="ko-KR" altLang="en-US" dirty="0"/>
+            </a:p>
+          </p:txBody>
+        </p:sp>
+        <p:sp>
+          <p:nvSpPr>
+            <p:cNvPr id="5" name="TextBox 4"/>
+            <p:cNvSpPr txBox="1"/>
+            <p:nvPr/>
+          </p:nvSpPr>
+          <p:spPr>
+            <a:xfrm>
+              <a:off x="785704" y="693810"/>
+              <a:ext cx="1834413" cy="369332"/>
+            </a:xfrm>
+            <a:prstGeom prst="rect">
+              <a:avLst/>
+            </a:prstGeom>
+            <a:noFill/>
+          </p:spPr>
+          <p:txBody>
+            <a:bodyPr wrap="none" rtlCol="0">
+              <a:spAutoFit/>
+            </a:bodyPr>
+            <a:lstStyle/>
+            <a:p>
+              <a:pPr algn="ctr"/>
+              <a:r>
+                <a:rPr lang="en-US" altLang="ko-KR" dirty="0" smtClean="0"/>
+                <a:t>Worker Threads</a:t>
+              </a:r>
+              <a:endParaRPr lang="ko-KR" altLang="en-US" dirty="0"/>
+            </a:p>
+          </p:txBody>
+        </p:sp>
+        <p:sp>
+          <p:nvSpPr>
+            <p:cNvPr id="6" name="직사각형 5"/>
+            <p:cNvSpPr/>
+            <p:nvPr/>
+          </p:nvSpPr>
+          <p:spPr>
+            <a:xfrm>
+              <a:off x="887412" y="1274951"/>
+              <a:ext cx="1631003" cy="315045"/>
+            </a:xfrm>
+            <a:prstGeom prst="rect">
+              <a:avLst/>
+            </a:prstGeom>
+            <a:solidFill>
+              <a:schemeClr val="accent4">
+                <a:lumMod val="20000"/>
+                <a:lumOff val="80000"/>
+              </a:schemeClr>
+            </a:solidFill>
+            <a:ln>
+              <a:solidFill>
+                <a:schemeClr val="tx1"/>
+              </a:solidFill>
+            </a:ln>
+          </p:spPr>
+          <p:style>
+            <a:lnRef idx="2">
+              <a:schemeClr val="accent1">
+                <a:shade val="50000"/>
+              </a:schemeClr>
+            </a:lnRef>
+            <a:fillRef idx="1">
+              <a:schemeClr val="accent1"/>
+            </a:fillRef>
+            <a:effectRef idx="0">
+              <a:schemeClr val="accent1"/>
+            </a:effectRef>
+            <a:fontRef idx="minor">
+              <a:schemeClr val="lt1"/>
+            </a:fontRef>
+          </p:style>
+          <p:txBody>
+            <a:bodyPr rtlCol="0" anchor="ctr"/>
+            <a:lstStyle/>
+            <a:p>
+              <a:pPr algn="ctr"/>
+              <a:r>
+                <a:rPr lang="en-US" altLang="ko-KR" sz="1200" dirty="0" smtClean="0">
+                  <a:solidFill>
+                    <a:schemeClr val="tx1"/>
+                  </a:solidFill>
+                </a:rPr>
+                <a:t>Worker</a:t>
+              </a:r>
+              <a:endParaRPr lang="ko-KR" altLang="en-US" sz="1200" dirty="0">
+                <a:solidFill>
+                  <a:schemeClr val="tx1"/>
+                </a:solidFill>
+              </a:endParaRPr>
+            </a:p>
+          </p:txBody>
+        </p:sp>
+        <p:sp>
+          <p:nvSpPr>
+            <p:cNvPr id="7" name="직사각형 6"/>
+            <p:cNvSpPr/>
+            <p:nvPr/>
+          </p:nvSpPr>
+          <p:spPr>
+            <a:xfrm>
+              <a:off x="887410" y="1677581"/>
+              <a:ext cx="1631003" cy="315045"/>
+            </a:xfrm>
+            <a:prstGeom prst="rect">
+              <a:avLst/>
+            </a:prstGeom>
+            <a:solidFill>
+              <a:schemeClr val="accent4">
+                <a:lumMod val="20000"/>
+                <a:lumOff val="80000"/>
+              </a:schemeClr>
+            </a:solidFill>
+            <a:ln>
+              <a:solidFill>
+                <a:schemeClr val="tx1"/>
+              </a:solidFill>
+            </a:ln>
+          </p:spPr>
+          <p:style>
+            <a:lnRef idx="2">
+              <a:schemeClr val="accent1">
+                <a:shade val="50000"/>
+              </a:schemeClr>
+            </a:lnRef>
+            <a:fillRef idx="1">
+              <a:schemeClr val="accent1"/>
+            </a:fillRef>
+            <a:effectRef idx="0">
+              <a:schemeClr val="accent1"/>
+            </a:effectRef>
+            <a:fontRef idx="minor">
+              <a:schemeClr val="lt1"/>
+            </a:fontRef>
+          </p:style>
+          <p:txBody>
+            <a:bodyPr rtlCol="0" anchor="ctr"/>
+            <a:lstStyle/>
+            <a:p>
+              <a:pPr algn="ctr"/>
+              <a:r>
+                <a:rPr lang="en-US" altLang="ko-KR" sz="1200" dirty="0" smtClean="0">
+                  <a:solidFill>
+                    <a:schemeClr val="tx1"/>
+                  </a:solidFill>
+                </a:rPr>
+                <a:t>Worker</a:t>
+              </a:r>
+              <a:endParaRPr lang="ko-KR" altLang="en-US" sz="1200" dirty="0">
+                <a:solidFill>
+                  <a:schemeClr val="tx1"/>
+                </a:solidFill>
+              </a:endParaRPr>
+            </a:p>
+          </p:txBody>
+        </p:sp>
+        <p:sp>
+          <p:nvSpPr>
+            <p:cNvPr id="8" name="직사각형 7"/>
+            <p:cNvSpPr/>
+            <p:nvPr/>
+          </p:nvSpPr>
+          <p:spPr>
+            <a:xfrm>
+              <a:off x="887410" y="2080211"/>
+              <a:ext cx="1631003" cy="315045"/>
+            </a:xfrm>
+            <a:prstGeom prst="rect">
+              <a:avLst/>
+            </a:prstGeom>
+            <a:solidFill>
+              <a:schemeClr val="accent4">
+                <a:lumMod val="20000"/>
+                <a:lumOff val="80000"/>
+              </a:schemeClr>
+            </a:solidFill>
+            <a:ln>
+              <a:solidFill>
+                <a:schemeClr val="tx1"/>
+              </a:solidFill>
+            </a:ln>
+          </p:spPr>
+          <p:style>
+            <a:lnRef idx="2">
+              <a:schemeClr val="accent1">
+                <a:shade val="50000"/>
+              </a:schemeClr>
+            </a:lnRef>
+            <a:fillRef idx="1">
+              <a:schemeClr val="accent1"/>
+            </a:fillRef>
+            <a:effectRef idx="0">
+              <a:schemeClr val="accent1"/>
+            </a:effectRef>
+            <a:fontRef idx="minor">
+              <a:schemeClr val="lt1"/>
+            </a:fontRef>
+          </p:style>
+          <p:txBody>
+            <a:bodyPr rtlCol="0" anchor="ctr"/>
+            <a:lstStyle/>
+            <a:p>
+              <a:pPr algn="ctr"/>
+              <a:r>
+                <a:rPr lang="en-US" altLang="ko-KR" sz="1200" dirty="0" smtClean="0">
+                  <a:solidFill>
+                    <a:schemeClr val="tx1"/>
+                  </a:solidFill>
+                </a:rPr>
+                <a:t>Worker</a:t>
+              </a:r>
+              <a:endParaRPr lang="ko-KR" altLang="en-US" sz="1200" dirty="0">
+                <a:solidFill>
+                  <a:schemeClr val="tx1"/>
+                </a:solidFill>
+              </a:endParaRPr>
+            </a:p>
+          </p:txBody>
+        </p:sp>
+        <p:sp>
+          <p:nvSpPr>
+            <p:cNvPr id="9" name="모서리가 둥근 직사각형 8"/>
+            <p:cNvSpPr/>
+            <p:nvPr/>
+          </p:nvSpPr>
+          <p:spPr>
+            <a:xfrm>
+              <a:off x="3957652" y="1063142"/>
+              <a:ext cx="2040007" cy="1568546"/>
+            </a:xfrm>
+            <a:prstGeom prst="roundRect">
+              <a:avLst/>
+            </a:prstGeom>
+            <a:noFill/>
+            <a:ln w="28575">
+              <a:solidFill>
+                <a:schemeClr val="accent1">
+                  <a:lumMod val="50000"/>
+                </a:schemeClr>
+              </a:solidFill>
+            </a:ln>
+          </p:spPr>
+          <p:style>
+            <a:lnRef idx="2">
+              <a:schemeClr val="dk1">
+                <a:shade val="50000"/>
+              </a:schemeClr>
+            </a:lnRef>
+            <a:fillRef idx="1">
+              <a:schemeClr val="dk1"/>
+            </a:fillRef>
+            <a:effectRef idx="0">
+              <a:schemeClr val="dk1"/>
+            </a:effectRef>
+            <a:fontRef idx="minor">
+              <a:schemeClr val="lt1"/>
+            </a:fontRef>
+          </p:style>
+          <p:txBody>
+            <a:bodyPr rtlCol="0" anchor="ctr"/>
+            <a:lstStyle/>
+            <a:p>
+              <a:pPr algn="ctr"/>
+              <a:endParaRPr lang="ko-KR" altLang="en-US" dirty="0"/>
+            </a:p>
+          </p:txBody>
+        </p:sp>
+        <p:sp>
+          <p:nvSpPr>
+            <p:cNvPr id="10" name="TextBox 9"/>
+            <p:cNvSpPr txBox="1"/>
+            <p:nvPr/>
+          </p:nvSpPr>
+          <p:spPr>
+            <a:xfrm>
+              <a:off x="4140756" y="693810"/>
+              <a:ext cx="1673792" cy="369332"/>
+            </a:xfrm>
+            <a:prstGeom prst="rect">
+              <a:avLst/>
+            </a:prstGeom>
+            <a:noFill/>
+          </p:spPr>
+          <p:txBody>
+            <a:bodyPr wrap="none" rtlCol="0">
+              <a:spAutoFit/>
+            </a:bodyPr>
+            <a:lstStyle/>
+            <a:p>
+              <a:pPr algn="ctr"/>
+              <a:r>
+                <a:rPr lang="en-US" altLang="ko-KR" dirty="0" smtClean="0"/>
+                <a:t>Boost Threads</a:t>
+              </a:r>
+              <a:endParaRPr lang="ko-KR" altLang="en-US" dirty="0"/>
+            </a:p>
+          </p:txBody>
+        </p:sp>
+        <p:sp>
+          <p:nvSpPr>
+            <p:cNvPr id="11" name="직사각형 10"/>
+            <p:cNvSpPr/>
+            <p:nvPr/>
+          </p:nvSpPr>
+          <p:spPr>
+            <a:xfrm>
+              <a:off x="4162153" y="1274951"/>
+              <a:ext cx="1631003" cy="315045"/>
+            </a:xfrm>
+            <a:prstGeom prst="rect">
+              <a:avLst/>
+            </a:prstGeom>
+            <a:solidFill>
+              <a:schemeClr val="tx2">
+                <a:lumMod val="20000"/>
+                <a:lumOff val="80000"/>
+              </a:schemeClr>
+            </a:solidFill>
+            <a:ln>
+              <a:solidFill>
+                <a:schemeClr val="tx1"/>
+              </a:solidFill>
+            </a:ln>
+          </p:spPr>
+          <p:style>
+            <a:lnRef idx="2">
+              <a:schemeClr val="accent1">
+                <a:shade val="50000"/>
+              </a:schemeClr>
+            </a:lnRef>
+            <a:fillRef idx="1">
+              <a:schemeClr val="accent1"/>
+            </a:fillRef>
+            <a:effectRef idx="0">
+              <a:schemeClr val="accent1"/>
+            </a:effectRef>
+            <a:fontRef idx="minor">
+              <a:schemeClr val="lt1"/>
+            </a:fontRef>
+          </p:style>
+          <p:txBody>
+            <a:bodyPr rtlCol="0" anchor="ctr"/>
+            <a:lstStyle/>
+            <a:p>
+              <a:pPr algn="ctr"/>
+              <a:r>
+                <a:rPr lang="en-US" altLang="ko-KR" sz="1200" dirty="0" smtClean="0">
+                  <a:solidFill>
+                    <a:schemeClr val="tx1"/>
+                  </a:solidFill>
+                </a:rPr>
+                <a:t>Strand</a:t>
+              </a:r>
+              <a:endParaRPr lang="ko-KR" altLang="en-US" sz="1200" dirty="0">
+                <a:solidFill>
+                  <a:schemeClr val="tx1"/>
+                </a:solidFill>
+              </a:endParaRPr>
+            </a:p>
+          </p:txBody>
+        </p:sp>
+        <p:sp>
+          <p:nvSpPr>
+            <p:cNvPr id="12" name="직사각형 11"/>
+            <p:cNvSpPr/>
+            <p:nvPr/>
+          </p:nvSpPr>
+          <p:spPr>
+            <a:xfrm>
+              <a:off x="4162151" y="1677581"/>
+              <a:ext cx="1631003" cy="315045"/>
+            </a:xfrm>
+            <a:prstGeom prst="rect">
+              <a:avLst/>
+            </a:prstGeom>
+            <a:solidFill>
+              <a:schemeClr val="tx2">
+                <a:lumMod val="20000"/>
+                <a:lumOff val="80000"/>
+              </a:schemeClr>
+            </a:solidFill>
+            <a:ln>
+              <a:solidFill>
+                <a:schemeClr val="tx1"/>
+              </a:solidFill>
+            </a:ln>
+          </p:spPr>
+          <p:style>
+            <a:lnRef idx="2">
+              <a:schemeClr val="accent1">
+                <a:shade val="50000"/>
+              </a:schemeClr>
+            </a:lnRef>
+            <a:fillRef idx="1">
+              <a:schemeClr val="accent1"/>
+            </a:fillRef>
+            <a:effectRef idx="0">
+              <a:schemeClr val="accent1"/>
+            </a:effectRef>
+            <a:fontRef idx="minor">
+              <a:schemeClr val="lt1"/>
+            </a:fontRef>
+          </p:style>
+          <p:txBody>
+            <a:bodyPr rtlCol="0" anchor="ctr"/>
+            <a:lstStyle/>
+            <a:p>
+              <a:pPr algn="ctr"/>
+              <a:r>
+                <a:rPr lang="en-US" altLang="ko-KR" sz="1200" dirty="0" smtClean="0">
+                  <a:solidFill>
+                    <a:schemeClr val="tx1"/>
+                  </a:solidFill>
+                </a:rPr>
+                <a:t>Strand</a:t>
+              </a:r>
+              <a:endParaRPr lang="ko-KR" altLang="en-US" sz="1200" dirty="0">
+                <a:solidFill>
+                  <a:schemeClr val="tx1"/>
+                </a:solidFill>
+              </a:endParaRPr>
+            </a:p>
+          </p:txBody>
+        </p:sp>
+        <p:sp>
+          <p:nvSpPr>
+            <p:cNvPr id="13" name="직사각형 12"/>
+            <p:cNvSpPr/>
+            <p:nvPr/>
+          </p:nvSpPr>
+          <p:spPr>
+            <a:xfrm>
+              <a:off x="4162151" y="2080211"/>
+              <a:ext cx="1631003" cy="315045"/>
+            </a:xfrm>
+            <a:prstGeom prst="rect">
+              <a:avLst/>
+            </a:prstGeom>
+            <a:solidFill>
+              <a:schemeClr val="tx2">
+                <a:lumMod val="20000"/>
+                <a:lumOff val="80000"/>
+              </a:schemeClr>
+            </a:solidFill>
+            <a:ln>
+              <a:solidFill>
+                <a:schemeClr val="tx1"/>
+              </a:solidFill>
+            </a:ln>
+          </p:spPr>
+          <p:style>
+            <a:lnRef idx="2">
+              <a:schemeClr val="accent1">
+                <a:shade val="50000"/>
+              </a:schemeClr>
+            </a:lnRef>
+            <a:fillRef idx="1">
+              <a:schemeClr val="accent1"/>
+            </a:fillRef>
+            <a:effectRef idx="0">
+              <a:schemeClr val="accent1"/>
+            </a:effectRef>
+            <a:fontRef idx="minor">
+              <a:schemeClr val="lt1"/>
+            </a:fontRef>
+          </p:style>
+          <p:txBody>
+            <a:bodyPr rtlCol="0" anchor="ctr"/>
+            <a:lstStyle/>
+            <a:p>
+              <a:pPr algn="ctr"/>
+              <a:r>
+                <a:rPr lang="en-US" altLang="ko-KR" sz="1200" dirty="0" smtClean="0">
+                  <a:solidFill>
+                    <a:schemeClr val="tx1"/>
+                  </a:solidFill>
+                </a:rPr>
+                <a:t>Strand</a:t>
+              </a:r>
+              <a:endParaRPr lang="ko-KR" altLang="en-US" sz="1200" dirty="0">
+                <a:solidFill>
+                  <a:schemeClr val="tx1"/>
+                </a:solidFill>
+              </a:endParaRPr>
+            </a:p>
+          </p:txBody>
+        </p:sp>
+        <p:sp>
+          <p:nvSpPr>
+            <p:cNvPr id="14" name="TextBox 13"/>
+            <p:cNvSpPr txBox="1"/>
+            <p:nvPr/>
+          </p:nvSpPr>
+          <p:spPr>
+            <a:xfrm>
+              <a:off x="1003392" y="2631688"/>
+              <a:ext cx="1399037" cy="369332"/>
+            </a:xfrm>
+            <a:prstGeom prst="rect">
+              <a:avLst/>
+            </a:prstGeom>
+            <a:noFill/>
+          </p:spPr>
+          <p:txBody>
+            <a:bodyPr wrap="none" rtlCol="0">
+              <a:spAutoFit/>
+            </a:bodyPr>
+            <a:lstStyle/>
+            <a:p>
+              <a:pPr algn="ctr"/>
+              <a:r>
+                <a:rPr lang="en-US" altLang="ko-KR" dirty="0" smtClean="0"/>
+                <a:t>Networking</a:t>
+              </a:r>
+              <a:endParaRPr lang="ko-KR" altLang="en-US" dirty="0"/>
+            </a:p>
+          </p:txBody>
+        </p:sp>
+        <p:sp>
+          <p:nvSpPr>
+            <p:cNvPr id="15" name="TextBox 14"/>
+            <p:cNvSpPr txBox="1"/>
+            <p:nvPr/>
+          </p:nvSpPr>
+          <p:spPr>
+            <a:xfrm>
+              <a:off x="4157332" y="2631688"/>
+              <a:ext cx="1640642" cy="369332"/>
+            </a:xfrm>
+            <a:prstGeom prst="rect">
+              <a:avLst/>
+            </a:prstGeom>
+            <a:noFill/>
+          </p:spPr>
+          <p:txBody>
+            <a:bodyPr wrap="none" rtlCol="0">
+              <a:spAutoFit/>
+            </a:bodyPr>
+            <a:lstStyle/>
+            <a:p>
+              <a:pPr algn="ctr"/>
+              <a:r>
+                <a:rPr lang="en-US" altLang="ko-KR" dirty="0" smtClean="0"/>
+                <a:t>Room Update</a:t>
+              </a:r>
+              <a:endParaRPr lang="ko-KR" altLang="en-US" dirty="0"/>
+            </a:p>
+          </p:txBody>
+        </p:sp>
+        <p:cxnSp>
+          <p:nvCxnSpPr>
+            <p:cNvPr id="17" name="직선 화살표 연결선 16"/>
+            <p:cNvCxnSpPr>
+              <a:stCxn id="4" idx="3"/>
+              <a:endCxn id="9" idx="1"/>
+            </p:cNvCxnSpPr>
+            <p:nvPr/>
+          </p:nvCxnSpPr>
+          <p:spPr>
+            <a:xfrm>
+              <a:off x="2722918" y="1847415"/>
+              <a:ext cx="1234734" cy="0"/>
+            </a:xfrm>
+            <a:prstGeom prst="straightConnector1">
+              <a:avLst/>
+            </a:prstGeom>
+            <a:ln>
+              <a:headEnd type="triangle"/>
+              <a:tailEnd type="triangle"/>
+            </a:ln>
+          </p:spPr>
+          <p:style>
+            <a:lnRef idx="1">
+              <a:schemeClr val="dk1"/>
+            </a:lnRef>
+            <a:fillRef idx="0">
+              <a:schemeClr val="dk1"/>
+            </a:fillRef>
+            <a:effectRef idx="0">
+              <a:schemeClr val="dk1"/>
+            </a:effectRef>
+            <a:fontRef idx="minor">
+              <a:schemeClr val="tx1"/>
+            </a:fontRef>
+          </p:style>
+        </p:cxnSp>
+      </p:grpSp>
+    </p:spTree>
+    <p:extLst>
+      <p:ext uri="{BB962C8B-B14F-4D97-AF65-F5344CB8AC3E}">
+        <p14:creationId xmlns:p14="http://schemas.microsoft.com/office/powerpoint/2010/main" val="991881226"/>
+      </p:ext>
+    </p:extLst>
+  </p:cSld>
+  <p:clrMapOvr>
+    <a:masterClrMapping/>
+  </p:clrMapOvr>
+  <p:timing>
+    <p:tnLst>
+      <p:par>
+        <p:cTn id="1" dur="indefinite" restart="never" nodeType="tmRoot"/>
+      </p:par>
+    </p:tnLst>
+  </p:timing>
+</p:sld>
+</file>
+
 <file path=ppt/theme/theme1.xml><?xml version="1.0" encoding="utf-8"?>
 <a:theme xmlns:a="http://schemas.openxmlformats.org/drawingml/2006/main" name="Office 테마">
   <a:themeElements>

--- a/포폴이미지.pptx
+++ b/포폴이미지.pptx
@@ -245,7 +245,7 @@
           <a:p>
             <a:fld id="{DBB1BFA8-20EB-4891-A377-6DDC4B1BECB5}" type="datetimeFigureOut">
               <a:rPr lang="ko-KR" altLang="en-US" smtClean="0"/>
-              <a:t>2020-01-09</a:t>
+              <a:t>2020-01-10</a:t>
             </a:fld>
             <a:endParaRPr lang="ko-KR" altLang="en-US"/>
           </a:p>
@@ -415,7 +415,7 @@
           <a:p>
             <a:fld id="{DBB1BFA8-20EB-4891-A377-6DDC4B1BECB5}" type="datetimeFigureOut">
               <a:rPr lang="ko-KR" altLang="en-US" smtClean="0"/>
-              <a:t>2020-01-09</a:t>
+              <a:t>2020-01-10</a:t>
             </a:fld>
             <a:endParaRPr lang="ko-KR" altLang="en-US"/>
           </a:p>
@@ -595,7 +595,7 @@
           <a:p>
             <a:fld id="{DBB1BFA8-20EB-4891-A377-6DDC4B1BECB5}" type="datetimeFigureOut">
               <a:rPr lang="ko-KR" altLang="en-US" smtClean="0"/>
-              <a:t>2020-01-09</a:t>
+              <a:t>2020-01-10</a:t>
             </a:fld>
             <a:endParaRPr lang="ko-KR" altLang="en-US"/>
           </a:p>
@@ -765,7 +765,7 @@
           <a:p>
             <a:fld id="{DBB1BFA8-20EB-4891-A377-6DDC4B1BECB5}" type="datetimeFigureOut">
               <a:rPr lang="ko-KR" altLang="en-US" smtClean="0"/>
-              <a:t>2020-01-09</a:t>
+              <a:t>2020-01-10</a:t>
             </a:fld>
             <a:endParaRPr lang="ko-KR" altLang="en-US"/>
           </a:p>
@@ -1011,7 +1011,7 @@
           <a:p>
             <a:fld id="{DBB1BFA8-20EB-4891-A377-6DDC4B1BECB5}" type="datetimeFigureOut">
               <a:rPr lang="ko-KR" altLang="en-US" smtClean="0"/>
-              <a:t>2020-01-09</a:t>
+              <a:t>2020-01-10</a:t>
             </a:fld>
             <a:endParaRPr lang="ko-KR" altLang="en-US"/>
           </a:p>
@@ -1243,7 +1243,7 @@
           <a:p>
             <a:fld id="{DBB1BFA8-20EB-4891-A377-6DDC4B1BECB5}" type="datetimeFigureOut">
               <a:rPr lang="ko-KR" altLang="en-US" smtClean="0"/>
-              <a:t>2020-01-09</a:t>
+              <a:t>2020-01-10</a:t>
             </a:fld>
             <a:endParaRPr lang="ko-KR" altLang="en-US"/>
           </a:p>
@@ -1610,7 +1610,7 @@
           <a:p>
             <a:fld id="{DBB1BFA8-20EB-4891-A377-6DDC4B1BECB5}" type="datetimeFigureOut">
               <a:rPr lang="ko-KR" altLang="en-US" smtClean="0"/>
-              <a:t>2020-01-09</a:t>
+              <a:t>2020-01-10</a:t>
             </a:fld>
             <a:endParaRPr lang="ko-KR" altLang="en-US"/>
           </a:p>
@@ -1728,7 +1728,7 @@
           <a:p>
             <a:fld id="{DBB1BFA8-20EB-4891-A377-6DDC4B1BECB5}" type="datetimeFigureOut">
               <a:rPr lang="ko-KR" altLang="en-US" smtClean="0"/>
-              <a:t>2020-01-09</a:t>
+              <a:t>2020-01-10</a:t>
             </a:fld>
             <a:endParaRPr lang="ko-KR" altLang="en-US"/>
           </a:p>
@@ -1823,7 +1823,7 @@
           <a:p>
             <a:fld id="{DBB1BFA8-20EB-4891-A377-6DDC4B1BECB5}" type="datetimeFigureOut">
               <a:rPr lang="ko-KR" altLang="en-US" smtClean="0"/>
-              <a:t>2020-01-09</a:t>
+              <a:t>2020-01-10</a:t>
             </a:fld>
             <a:endParaRPr lang="ko-KR" altLang="en-US"/>
           </a:p>
@@ -2100,7 +2100,7 @@
           <a:p>
             <a:fld id="{DBB1BFA8-20EB-4891-A377-6DDC4B1BECB5}" type="datetimeFigureOut">
               <a:rPr lang="ko-KR" altLang="en-US" smtClean="0"/>
-              <a:t>2020-01-09</a:t>
+              <a:t>2020-01-10</a:t>
             </a:fld>
             <a:endParaRPr lang="ko-KR" altLang="en-US"/>
           </a:p>
@@ -2353,7 +2353,7 @@
           <a:p>
             <a:fld id="{DBB1BFA8-20EB-4891-A377-6DDC4B1BECB5}" type="datetimeFigureOut">
               <a:rPr lang="ko-KR" altLang="en-US" smtClean="0"/>
-              <a:t>2020-01-09</a:t>
+              <a:t>2020-01-10</a:t>
             </a:fld>
             <a:endParaRPr lang="ko-KR" altLang="en-US"/>
           </a:p>
@@ -2566,7 +2566,7 @@
           <a:p>
             <a:fld id="{DBB1BFA8-20EB-4891-A377-6DDC4B1BECB5}" type="datetimeFigureOut">
               <a:rPr lang="ko-KR" altLang="en-US" smtClean="0"/>
-              <a:t>2020-01-09</a:t>
+              <a:t>2020-01-10</a:t>
             </a:fld>
             <a:endParaRPr lang="ko-KR" altLang="en-US"/>
           </a:p>
@@ -9922,6 +9922,500 @@
           </p:style>
         </p:cxnSp>
       </p:grpSp>
+      <p:grpSp>
+        <p:nvGrpSpPr>
+          <p:cNvPr id="43" name="그룹 42"/>
+          <p:cNvGrpSpPr/>
+          <p:nvPr/>
+        </p:nvGrpSpPr>
+        <p:grpSpPr>
+          <a:xfrm>
+            <a:off x="2722918" y="3256418"/>
+            <a:ext cx="3571623" cy="2903664"/>
+            <a:chOff x="2722918" y="3256418"/>
+            <a:chExt cx="3571623" cy="2903664"/>
+          </a:xfrm>
+        </p:grpSpPr>
+        <p:sp>
+          <p:nvSpPr>
+            <p:cNvPr id="19" name="모서리가 둥근 직사각형 18"/>
+            <p:cNvSpPr/>
+            <p:nvPr/>
+          </p:nvSpPr>
+          <p:spPr>
+            <a:xfrm>
+              <a:off x="3774541" y="3640082"/>
+              <a:ext cx="2520000" cy="2520000"/>
+            </a:xfrm>
+            <a:prstGeom prst="roundRect">
+              <a:avLst/>
+            </a:prstGeom>
+            <a:noFill/>
+            <a:ln w="28575">
+              <a:solidFill>
+                <a:schemeClr val="accent4">
+                  <a:lumMod val="50000"/>
+                </a:schemeClr>
+              </a:solidFill>
+            </a:ln>
+          </p:spPr>
+          <p:style>
+            <a:lnRef idx="2">
+              <a:schemeClr val="dk1">
+                <a:shade val="50000"/>
+              </a:schemeClr>
+            </a:lnRef>
+            <a:fillRef idx="1">
+              <a:schemeClr val="dk1"/>
+            </a:fillRef>
+            <a:effectRef idx="0">
+              <a:schemeClr val="dk1"/>
+            </a:effectRef>
+            <a:fontRef idx="minor">
+              <a:schemeClr val="lt1"/>
+            </a:fontRef>
+          </p:style>
+          <p:txBody>
+            <a:bodyPr rtlCol="0" anchor="ctr"/>
+            <a:lstStyle/>
+            <a:p>
+              <a:pPr algn="ctr"/>
+              <a:endParaRPr lang="ko-KR" altLang="en-US" dirty="0"/>
+            </a:p>
+          </p:txBody>
+        </p:sp>
+        <p:sp>
+          <p:nvSpPr>
+            <p:cNvPr id="20" name="TextBox 19"/>
+            <p:cNvSpPr txBox="1"/>
+            <p:nvPr/>
+          </p:nvSpPr>
+          <p:spPr>
+            <a:xfrm>
+              <a:off x="4381990" y="3256418"/>
+              <a:ext cx="1305102" cy="369332"/>
+            </a:xfrm>
+            <a:prstGeom prst="rect">
+              <a:avLst/>
+            </a:prstGeom>
+            <a:noFill/>
+          </p:spPr>
+          <p:txBody>
+            <a:bodyPr wrap="none" rtlCol="0">
+              <a:spAutoFit/>
+            </a:bodyPr>
+            <a:lstStyle/>
+            <a:p>
+              <a:pPr algn="ctr"/>
+              <a:r>
+                <a:rPr lang="en-US" altLang="ko-KR" dirty="0" smtClean="0"/>
+                <a:t>P2P Group</a:t>
+              </a:r>
+              <a:endParaRPr lang="ko-KR" altLang="en-US" dirty="0"/>
+            </a:p>
+          </p:txBody>
+        </p:sp>
+        <p:sp>
+          <p:nvSpPr>
+            <p:cNvPr id="21" name="직사각형 20"/>
+            <p:cNvSpPr/>
+            <p:nvPr/>
+          </p:nvSpPr>
+          <p:spPr>
+            <a:xfrm>
+              <a:off x="2722918" y="4540082"/>
+              <a:ext cx="720000" cy="720000"/>
+            </a:xfrm>
+            <a:prstGeom prst="rect">
+              <a:avLst/>
+            </a:prstGeom>
+            <a:solidFill>
+              <a:schemeClr val="accent4">
+                <a:lumMod val="20000"/>
+                <a:lumOff val="80000"/>
+              </a:schemeClr>
+            </a:solidFill>
+            <a:ln>
+              <a:solidFill>
+                <a:schemeClr val="tx1"/>
+              </a:solidFill>
+            </a:ln>
+          </p:spPr>
+          <p:style>
+            <a:lnRef idx="2">
+              <a:schemeClr val="accent1">
+                <a:shade val="50000"/>
+              </a:schemeClr>
+            </a:lnRef>
+            <a:fillRef idx="1">
+              <a:schemeClr val="accent1"/>
+            </a:fillRef>
+            <a:effectRef idx="0">
+              <a:schemeClr val="accent1"/>
+            </a:effectRef>
+            <a:fontRef idx="minor">
+              <a:schemeClr val="lt1"/>
+            </a:fontRef>
+          </p:style>
+          <p:txBody>
+            <a:bodyPr rtlCol="0" anchor="ctr"/>
+            <a:lstStyle/>
+            <a:p>
+              <a:pPr algn="ctr"/>
+              <a:r>
+                <a:rPr lang="en-US" altLang="ko-KR" sz="1200" dirty="0" smtClean="0">
+                  <a:solidFill>
+                    <a:schemeClr val="tx1"/>
+                  </a:solidFill>
+                </a:rPr>
+                <a:t>Server</a:t>
+              </a:r>
+              <a:endParaRPr lang="ko-KR" altLang="en-US" sz="1200" dirty="0">
+                <a:solidFill>
+                  <a:schemeClr val="tx1"/>
+                </a:solidFill>
+              </a:endParaRPr>
+            </a:p>
+          </p:txBody>
+        </p:sp>
+        <p:sp>
+          <p:nvSpPr>
+            <p:cNvPr id="22" name="직사각형 21"/>
+            <p:cNvSpPr/>
+            <p:nvPr/>
+          </p:nvSpPr>
+          <p:spPr>
+            <a:xfrm>
+              <a:off x="4002287" y="3874028"/>
+              <a:ext cx="720000" cy="720000"/>
+            </a:xfrm>
+            <a:prstGeom prst="rect">
+              <a:avLst/>
+            </a:prstGeom>
+            <a:solidFill>
+              <a:schemeClr val="tx2">
+                <a:lumMod val="20000"/>
+                <a:lumOff val="80000"/>
+              </a:schemeClr>
+            </a:solidFill>
+            <a:ln>
+              <a:solidFill>
+                <a:schemeClr val="tx1"/>
+              </a:solidFill>
+            </a:ln>
+          </p:spPr>
+          <p:style>
+            <a:lnRef idx="2">
+              <a:schemeClr val="accent1">
+                <a:shade val="50000"/>
+              </a:schemeClr>
+            </a:lnRef>
+            <a:fillRef idx="1">
+              <a:schemeClr val="accent1"/>
+            </a:fillRef>
+            <a:effectRef idx="0">
+              <a:schemeClr val="accent1"/>
+            </a:effectRef>
+            <a:fontRef idx="minor">
+              <a:schemeClr val="lt1"/>
+            </a:fontRef>
+          </p:style>
+          <p:txBody>
+            <a:bodyPr rtlCol="0" anchor="ctr"/>
+            <a:lstStyle/>
+            <a:p>
+              <a:pPr algn="ctr"/>
+              <a:r>
+                <a:rPr lang="en-US" altLang="ko-KR" sz="1200" dirty="0" smtClean="0">
+                  <a:solidFill>
+                    <a:schemeClr val="tx1"/>
+                  </a:solidFill>
+                </a:rPr>
+                <a:t>Peer #1</a:t>
+              </a:r>
+              <a:endParaRPr lang="ko-KR" altLang="en-US" sz="1200" dirty="0">
+                <a:solidFill>
+                  <a:schemeClr val="tx1"/>
+                </a:solidFill>
+              </a:endParaRPr>
+            </a:p>
+          </p:txBody>
+        </p:sp>
+        <p:sp>
+          <p:nvSpPr>
+            <p:cNvPr id="23" name="직사각형 22"/>
+            <p:cNvSpPr/>
+            <p:nvPr/>
+          </p:nvSpPr>
+          <p:spPr>
+            <a:xfrm>
+              <a:off x="4617652" y="5143795"/>
+              <a:ext cx="720000" cy="720000"/>
+            </a:xfrm>
+            <a:prstGeom prst="rect">
+              <a:avLst/>
+            </a:prstGeom>
+            <a:solidFill>
+              <a:schemeClr val="tx2">
+                <a:lumMod val="20000"/>
+                <a:lumOff val="80000"/>
+              </a:schemeClr>
+            </a:solidFill>
+            <a:ln>
+              <a:solidFill>
+                <a:schemeClr val="tx1"/>
+              </a:solidFill>
+            </a:ln>
+          </p:spPr>
+          <p:style>
+            <a:lnRef idx="2">
+              <a:schemeClr val="accent1">
+                <a:shade val="50000"/>
+              </a:schemeClr>
+            </a:lnRef>
+            <a:fillRef idx="1">
+              <a:schemeClr val="accent1"/>
+            </a:fillRef>
+            <a:effectRef idx="0">
+              <a:schemeClr val="accent1"/>
+            </a:effectRef>
+            <a:fontRef idx="minor">
+              <a:schemeClr val="lt1"/>
+            </a:fontRef>
+          </p:style>
+          <p:txBody>
+            <a:bodyPr rtlCol="0" anchor="ctr"/>
+            <a:lstStyle/>
+            <a:p>
+              <a:pPr algn="ctr"/>
+              <a:r>
+                <a:rPr lang="en-US" altLang="ko-KR" sz="1200" dirty="0" smtClean="0">
+                  <a:solidFill>
+                    <a:schemeClr val="tx1"/>
+                  </a:solidFill>
+                </a:rPr>
+                <a:t>Peer #2</a:t>
+              </a:r>
+              <a:endParaRPr lang="ko-KR" altLang="en-US" sz="1200" dirty="0">
+                <a:solidFill>
+                  <a:schemeClr val="tx1"/>
+                </a:solidFill>
+              </a:endParaRPr>
+            </a:p>
+          </p:txBody>
+        </p:sp>
+        <p:sp>
+          <p:nvSpPr>
+            <p:cNvPr id="24" name="직사각형 23"/>
+            <p:cNvSpPr/>
+            <p:nvPr/>
+          </p:nvSpPr>
+          <p:spPr>
+            <a:xfrm>
+              <a:off x="5367066" y="4106602"/>
+              <a:ext cx="720000" cy="720000"/>
+            </a:xfrm>
+            <a:prstGeom prst="rect">
+              <a:avLst/>
+            </a:prstGeom>
+            <a:solidFill>
+              <a:schemeClr val="tx2">
+                <a:lumMod val="20000"/>
+                <a:lumOff val="80000"/>
+              </a:schemeClr>
+            </a:solidFill>
+            <a:ln>
+              <a:solidFill>
+                <a:schemeClr val="tx1"/>
+              </a:solidFill>
+            </a:ln>
+          </p:spPr>
+          <p:style>
+            <a:lnRef idx="2">
+              <a:schemeClr val="accent1">
+                <a:shade val="50000"/>
+              </a:schemeClr>
+            </a:lnRef>
+            <a:fillRef idx="1">
+              <a:schemeClr val="accent1"/>
+            </a:fillRef>
+            <a:effectRef idx="0">
+              <a:schemeClr val="accent1"/>
+            </a:effectRef>
+            <a:fontRef idx="minor">
+              <a:schemeClr val="lt1"/>
+            </a:fontRef>
+          </p:style>
+          <p:txBody>
+            <a:bodyPr rtlCol="0" anchor="ctr"/>
+            <a:lstStyle/>
+            <a:p>
+              <a:pPr algn="ctr"/>
+              <a:r>
+                <a:rPr lang="en-US" altLang="ko-KR" sz="1200" dirty="0" smtClean="0">
+                  <a:solidFill>
+                    <a:schemeClr val="tx1"/>
+                  </a:solidFill>
+                </a:rPr>
+                <a:t>Peer #3</a:t>
+              </a:r>
+              <a:endParaRPr lang="ko-KR" altLang="en-US" sz="1200" dirty="0">
+                <a:solidFill>
+                  <a:schemeClr val="tx1"/>
+                </a:solidFill>
+              </a:endParaRPr>
+            </a:p>
+          </p:txBody>
+        </p:sp>
+        <p:cxnSp>
+          <p:nvCxnSpPr>
+            <p:cNvPr id="16" name="직선 화살표 연결선 15"/>
+            <p:cNvCxnSpPr>
+              <a:stCxn id="22" idx="3"/>
+              <a:endCxn id="23" idx="0"/>
+            </p:cNvCxnSpPr>
+            <p:nvPr/>
+          </p:nvCxnSpPr>
+          <p:spPr>
+            <a:xfrm>
+              <a:off x="4722287" y="4234028"/>
+              <a:ext cx="255365" cy="909767"/>
+            </a:xfrm>
+            <a:prstGeom prst="straightConnector1">
+              <a:avLst/>
+            </a:prstGeom>
+            <a:ln>
+              <a:headEnd type="triangle"/>
+              <a:tailEnd type="triangle"/>
+            </a:ln>
+          </p:spPr>
+          <p:style>
+            <a:lnRef idx="1">
+              <a:schemeClr val="dk1"/>
+            </a:lnRef>
+            <a:fillRef idx="0">
+              <a:schemeClr val="dk1"/>
+            </a:fillRef>
+            <a:effectRef idx="0">
+              <a:schemeClr val="dk1"/>
+            </a:effectRef>
+            <a:fontRef idx="minor">
+              <a:schemeClr val="tx1"/>
+            </a:fontRef>
+          </p:style>
+        </p:cxnSp>
+        <p:cxnSp>
+          <p:nvCxnSpPr>
+            <p:cNvPr id="26" name="직선 화살표 연결선 25"/>
+            <p:cNvCxnSpPr>
+              <a:stCxn id="23" idx="0"/>
+              <a:endCxn id="24" idx="1"/>
+            </p:cNvCxnSpPr>
+            <p:nvPr/>
+          </p:nvCxnSpPr>
+          <p:spPr>
+            <a:xfrm flipV="1">
+              <a:off x="4977652" y="4466602"/>
+              <a:ext cx="389414" cy="677193"/>
+            </a:xfrm>
+            <a:prstGeom prst="straightConnector1">
+              <a:avLst/>
+            </a:prstGeom>
+            <a:ln>
+              <a:headEnd type="triangle"/>
+              <a:tailEnd type="triangle"/>
+            </a:ln>
+          </p:spPr>
+          <p:style>
+            <a:lnRef idx="1">
+              <a:schemeClr val="dk1"/>
+            </a:lnRef>
+            <a:fillRef idx="0">
+              <a:schemeClr val="dk1"/>
+            </a:fillRef>
+            <a:effectRef idx="0">
+              <a:schemeClr val="dk1"/>
+            </a:effectRef>
+            <a:fontRef idx="minor">
+              <a:schemeClr val="tx1"/>
+            </a:fontRef>
+          </p:style>
+        </p:cxnSp>
+        <p:cxnSp>
+          <p:nvCxnSpPr>
+            <p:cNvPr id="28" name="직선 화살표 연결선 27"/>
+            <p:cNvCxnSpPr>
+              <a:stCxn id="22" idx="3"/>
+              <a:endCxn id="24" idx="1"/>
+            </p:cNvCxnSpPr>
+            <p:nvPr/>
+          </p:nvCxnSpPr>
+          <p:spPr>
+            <a:xfrm>
+              <a:off x="4722287" y="4234028"/>
+              <a:ext cx="644779" cy="232574"/>
+            </a:xfrm>
+            <a:prstGeom prst="straightConnector1">
+              <a:avLst/>
+            </a:prstGeom>
+            <a:ln>
+              <a:headEnd type="triangle"/>
+              <a:tailEnd type="triangle"/>
+            </a:ln>
+          </p:spPr>
+          <p:style>
+            <a:lnRef idx="1">
+              <a:schemeClr val="dk1"/>
+            </a:lnRef>
+            <a:fillRef idx="0">
+              <a:schemeClr val="dk1"/>
+            </a:fillRef>
+            <a:effectRef idx="0">
+              <a:schemeClr val="dk1"/>
+            </a:effectRef>
+            <a:fontRef idx="minor">
+              <a:schemeClr val="tx1"/>
+            </a:fontRef>
+          </p:style>
+        </p:cxnSp>
+        <p:cxnSp>
+          <p:nvCxnSpPr>
+            <p:cNvPr id="31" name="직선 화살표 연결선 30"/>
+            <p:cNvCxnSpPr>
+              <a:stCxn id="19" idx="1"/>
+              <a:endCxn id="21" idx="3"/>
+            </p:cNvCxnSpPr>
+            <p:nvPr/>
+          </p:nvCxnSpPr>
+          <p:spPr>
+            <a:xfrm flipH="1">
+              <a:off x="3442918" y="4900082"/>
+              <a:ext cx="331623" cy="0"/>
+            </a:xfrm>
+            <a:prstGeom prst="straightConnector1">
+              <a:avLst/>
+            </a:prstGeom>
+            <a:ln>
+              <a:headEnd type="triangle"/>
+              <a:tailEnd type="triangle"/>
+            </a:ln>
+          </p:spPr>
+          <p:style>
+            <a:lnRef idx="1">
+              <a:schemeClr val="dk1"/>
+            </a:lnRef>
+            <a:fillRef idx="0">
+              <a:schemeClr val="dk1"/>
+            </a:fillRef>
+            <a:effectRef idx="0">
+              <a:schemeClr val="dk1"/>
+            </a:effectRef>
+            <a:fontRef idx="minor">
+              <a:schemeClr val="tx1"/>
+            </a:fontRef>
+          </p:style>
+        </p:cxnSp>
+      </p:grpSp>
     </p:spTree>
     <p:extLst>
       <p:ext uri="{BB962C8B-B14F-4D97-AF65-F5344CB8AC3E}">
